--- a/Week1/AttendanceWireframe.pptx
+++ b/Week1/AttendanceWireframe.pptx
@@ -4251,7 +4251,7 @@
         <p:spPr>
           <a:xfrm>
             <a:off x="7815" y="3985447"/>
-            <a:ext cx="6199069" cy="4247317"/>
+            <a:ext cx="6408934" cy="4247317"/>
           </a:xfrm>
           <a:prstGeom prst="rect">
             <a:avLst/>
@@ -4306,11 +4306,37 @@
               </a:rPr>
               <a:t>_</a:t>
             </a:r>
-            <a:endParaRPr lang="en-US" dirty="0">
-              <a:highlight>
-                <a:srgbClr val="C0C0C0"/>
-              </a:highlight>
-            </a:endParaRPr>
+            <a:r>
+              <a:rPr lang="en-US" sz="1800" b="1" dirty="0">
+                <a:solidFill>
+                  <a:schemeClr val="bg2">
+                    <a:lumMod val="90000"/>
+                  </a:schemeClr>
+                </a:solidFill>
+              </a:rPr>
+              <a:t>	</a:t>
+            </a:r>
+            <a:r>
+              <a:rPr lang="en-US" b="1" dirty="0">
+                <a:solidFill>
+                  <a:schemeClr val="bg2">
+                    <a:lumMod val="90000"/>
+                  </a:schemeClr>
+                </a:solidFill>
+                <a:highlight>
+                  <a:srgbClr val="C0C0C0"/>
+                </a:highlight>
+              </a:rPr>
+              <a:t>     </a:t>
+            </a:r>
+            <a:r>
+              <a:rPr lang="en-US" dirty="0">
+                <a:highlight>
+                  <a:srgbClr val="C0C0C0"/>
+                </a:highlight>
+              </a:rPr>
+              <a:t>Feb |v|    29   |v|  2023 |v|</a:t>
+            </a:r>
           </a:p>
           <a:p>
             <a:r>
